--- a/images/material.pptx
+++ b/images/material.pptx
@@ -6,6 +6,7 @@
   </p:sldMasterIdLst>
   <p:sldIdLst>
     <p:sldId id="256" r:id="rId2"/>
+    <p:sldId id="257" r:id="rId3"/>
   </p:sldIdLst>
   <p:sldSz cx="9144000" cy="6858000" type="screen4x3"/>
   <p:notesSz cx="6858000" cy="9144000"/>
@@ -4148,10 +4149,6 @@
               </a:rPr>
               <a:t>Controller</a:t>
             </a:r>
-            <a:endParaRPr lang="en-US" altLang="ja-JP" sz="2000" dirty="0" smtClean="0">
-              <a:latin typeface="+mj-ea"/>
-              <a:ea typeface="+mj-ea"/>
-            </a:endParaRPr>
           </a:p>
         </p:txBody>
       </p:sp>
@@ -4196,10 +4193,6 @@
               </a:rPr>
               <a:t>Form</a:t>
             </a:r>
-            <a:endParaRPr lang="en-US" altLang="ja-JP" dirty="0" smtClean="0">
-              <a:latin typeface="+mj-ea"/>
-              <a:ea typeface="+mj-ea"/>
-            </a:endParaRPr>
           </a:p>
         </p:txBody>
       </p:sp>
@@ -4989,10 +4982,6 @@
               </a:rPr>
               <a:t>Common Library</a:t>
             </a:r>
-            <a:endParaRPr lang="en-US" altLang="ja-JP" dirty="0" smtClean="0">
-              <a:latin typeface="+mj-ea"/>
-              <a:ea typeface="+mj-ea"/>
-            </a:endParaRPr>
           </a:p>
         </p:txBody>
       </p:sp>
@@ -5515,6 +5504,634 @@
     <p:extLst>
       <p:ext uri="{BB962C8B-B14F-4D97-AF65-F5344CB8AC3E}">
         <p14:creationId xmlns:p14="http://schemas.microsoft.com/office/powerpoint/2010/main" val="2921597337"/>
+      </p:ext>
+    </p:extLst>
+  </p:cSld>
+  <p:clrMapOvr>
+    <a:masterClrMapping/>
+  </p:clrMapOvr>
+</p:sld>
+</file>
+
+<file path=ppt/slides/slide2.xml><?xml version="1.0" encoding="utf-8"?>
+<p:sld xmlns:a="http://schemas.openxmlformats.org/drawingml/2006/main" xmlns:r="http://schemas.openxmlformats.org/officeDocument/2006/relationships" xmlns:p="http://schemas.openxmlformats.org/presentationml/2006/main">
+  <p:cSld>
+    <p:spTree>
+      <p:nvGrpSpPr>
+        <p:cNvPr id="1" name=""/>
+        <p:cNvGrpSpPr/>
+        <p:nvPr/>
+      </p:nvGrpSpPr>
+      <p:grpSpPr>
+        <a:xfrm>
+          <a:off x="0" y="0"/>
+          <a:ext cx="0" cy="0"/>
+          <a:chOff x="0" y="0"/>
+          <a:chExt cx="0" cy="0"/>
+        </a:xfrm>
+      </p:grpSpPr>
+      <p:pic>
+        <p:nvPicPr>
+          <p:cNvPr id="5" name="図 4"/>
+          <p:cNvPicPr>
+            <a:picLocks noChangeAspect="1"/>
+          </p:cNvPicPr>
+          <p:nvPr/>
+        </p:nvPicPr>
+        <p:blipFill>
+          <a:blip r:embed="rId2"/>
+          <a:stretch>
+            <a:fillRect/>
+          </a:stretch>
+        </p:blipFill>
+        <p:spPr>
+          <a:xfrm>
+            <a:off x="353631" y="133048"/>
+            <a:ext cx="3703562" cy="8069742"/>
+          </a:xfrm>
+          <a:prstGeom prst="rect">
+            <a:avLst/>
+          </a:prstGeom>
+        </p:spPr>
+      </p:pic>
+      <p:sp>
+        <p:nvSpPr>
+          <p:cNvPr id="6" name="右中かっこ 5"/>
+          <p:cNvSpPr/>
+          <p:nvPr/>
+        </p:nvSpPr>
+        <p:spPr>
+          <a:xfrm>
+            <a:off x="3413237" y="1927838"/>
+            <a:ext cx="963891" cy="839176"/>
+          </a:xfrm>
+          <a:prstGeom prst="rightBrace">
+            <a:avLst/>
+          </a:prstGeom>
+          <a:ln w="38100" cmpd="sng"/>
+        </p:spPr>
+        <p:style>
+          <a:lnRef idx="2">
+            <a:schemeClr val="accent1"/>
+          </a:lnRef>
+          <a:fillRef idx="0">
+            <a:schemeClr val="accent1"/>
+          </a:fillRef>
+          <a:effectRef idx="1">
+            <a:schemeClr val="accent1"/>
+          </a:effectRef>
+          <a:fontRef idx="minor">
+            <a:schemeClr val="tx1"/>
+          </a:fontRef>
+        </p:style>
+        <p:txBody>
+          <a:bodyPr rtlCol="0" anchor="ctr"/>
+          <a:lstStyle/>
+          <a:p>
+            <a:pPr algn="ctr"/>
+            <a:endParaRPr kumimoji="1" lang="ja-JP" altLang="en-US"/>
+          </a:p>
+        </p:txBody>
+      </p:sp>
+      <p:sp>
+        <p:nvSpPr>
+          <p:cNvPr id="7" name="右中かっこ 6"/>
+          <p:cNvSpPr/>
+          <p:nvPr/>
+        </p:nvSpPr>
+        <p:spPr>
+          <a:xfrm>
+            <a:off x="3413237" y="2919413"/>
+            <a:ext cx="963891" cy="1423891"/>
+          </a:xfrm>
+          <a:prstGeom prst="rightBrace">
+            <a:avLst/>
+          </a:prstGeom>
+          <a:ln w="38100" cmpd="sng"/>
+        </p:spPr>
+        <p:style>
+          <a:lnRef idx="2">
+            <a:schemeClr val="accent1"/>
+          </a:lnRef>
+          <a:fillRef idx="0">
+            <a:schemeClr val="accent1"/>
+          </a:fillRef>
+          <a:effectRef idx="1">
+            <a:schemeClr val="accent1"/>
+          </a:effectRef>
+          <a:fontRef idx="minor">
+            <a:schemeClr val="tx1"/>
+          </a:fontRef>
+        </p:style>
+        <p:txBody>
+          <a:bodyPr rtlCol="0" anchor="ctr"/>
+          <a:lstStyle/>
+          <a:p>
+            <a:pPr algn="ctr"/>
+            <a:endParaRPr kumimoji="1" lang="ja-JP" altLang="en-US"/>
+          </a:p>
+        </p:txBody>
+      </p:sp>
+      <p:sp>
+        <p:nvSpPr>
+          <p:cNvPr id="8" name="右中かっこ 7"/>
+          <p:cNvSpPr/>
+          <p:nvPr/>
+        </p:nvSpPr>
+        <p:spPr>
+          <a:xfrm>
+            <a:off x="3413237" y="4500681"/>
+            <a:ext cx="975231" cy="1022006"/>
+          </a:xfrm>
+          <a:prstGeom prst="rightBrace">
+            <a:avLst/>
+          </a:prstGeom>
+          <a:ln>
+            <a:solidFill>
+              <a:schemeClr val="bg1">
+                <a:lumMod val="50000"/>
+              </a:schemeClr>
+            </a:solidFill>
+          </a:ln>
+        </p:spPr>
+        <p:style>
+          <a:lnRef idx="3">
+            <a:schemeClr val="dk1"/>
+          </a:lnRef>
+          <a:fillRef idx="0">
+            <a:schemeClr val="dk1"/>
+          </a:fillRef>
+          <a:effectRef idx="2">
+            <a:schemeClr val="dk1"/>
+          </a:effectRef>
+          <a:fontRef idx="minor">
+            <a:schemeClr val="tx1"/>
+          </a:fontRef>
+        </p:style>
+        <p:txBody>
+          <a:bodyPr rtlCol="0" anchor="ctr"/>
+          <a:lstStyle/>
+          <a:p>
+            <a:pPr algn="ctr"/>
+            <a:endParaRPr kumimoji="1" lang="ja-JP" altLang="en-US"/>
+          </a:p>
+        </p:txBody>
+      </p:sp>
+      <p:sp>
+        <p:nvSpPr>
+          <p:cNvPr id="9" name="右中かっこ 8"/>
+          <p:cNvSpPr/>
+          <p:nvPr/>
+        </p:nvSpPr>
+        <p:spPr>
+          <a:xfrm>
+            <a:off x="3413237" y="5675087"/>
+            <a:ext cx="975231" cy="754819"/>
+          </a:xfrm>
+          <a:prstGeom prst="rightBrace">
+            <a:avLst/>
+          </a:prstGeom>
+          <a:ln/>
+        </p:spPr>
+        <p:style>
+          <a:lnRef idx="3">
+            <a:schemeClr val="accent3"/>
+          </a:lnRef>
+          <a:fillRef idx="0">
+            <a:schemeClr val="accent3"/>
+          </a:fillRef>
+          <a:effectRef idx="2">
+            <a:schemeClr val="accent3"/>
+          </a:effectRef>
+          <a:fontRef idx="minor">
+            <a:schemeClr val="tx1"/>
+          </a:fontRef>
+        </p:style>
+        <p:txBody>
+          <a:bodyPr rtlCol="0" anchor="ctr"/>
+          <a:lstStyle/>
+          <a:p>
+            <a:pPr algn="ctr"/>
+            <a:endParaRPr kumimoji="1" lang="ja-JP" altLang="en-US"/>
+          </a:p>
+        </p:txBody>
+      </p:sp>
+      <p:sp>
+        <p:nvSpPr>
+          <p:cNvPr id="10" name="右中かっこ 9"/>
+          <p:cNvSpPr/>
+          <p:nvPr/>
+        </p:nvSpPr>
+        <p:spPr>
+          <a:xfrm>
+            <a:off x="3413237" y="6514610"/>
+            <a:ext cx="975231" cy="754819"/>
+          </a:xfrm>
+          <a:prstGeom prst="rightBrace">
+            <a:avLst/>
+          </a:prstGeom>
+          <a:ln/>
+        </p:spPr>
+        <p:style>
+          <a:lnRef idx="3">
+            <a:schemeClr val="accent4"/>
+          </a:lnRef>
+          <a:fillRef idx="0">
+            <a:schemeClr val="accent4"/>
+          </a:fillRef>
+          <a:effectRef idx="2">
+            <a:schemeClr val="accent4"/>
+          </a:effectRef>
+          <a:fontRef idx="minor">
+            <a:schemeClr val="tx1"/>
+          </a:fontRef>
+        </p:style>
+        <p:txBody>
+          <a:bodyPr rtlCol="0" anchor="ctr"/>
+          <a:lstStyle/>
+          <a:p>
+            <a:pPr algn="ctr"/>
+            <a:endParaRPr kumimoji="1" lang="ja-JP" altLang="en-US"/>
+          </a:p>
+        </p:txBody>
+      </p:sp>
+      <p:sp>
+        <p:nvSpPr>
+          <p:cNvPr id="11" name="右中かっこ 10"/>
+          <p:cNvSpPr/>
+          <p:nvPr/>
+        </p:nvSpPr>
+        <p:spPr>
+          <a:xfrm>
+            <a:off x="3413237" y="7369758"/>
+            <a:ext cx="986577" cy="844372"/>
+          </a:xfrm>
+          <a:prstGeom prst="rightBrace">
+            <a:avLst/>
+          </a:prstGeom>
+          <a:ln w="38100" cmpd="sng"/>
+        </p:spPr>
+        <p:style>
+          <a:lnRef idx="2">
+            <a:schemeClr val="accent1"/>
+          </a:lnRef>
+          <a:fillRef idx="0">
+            <a:schemeClr val="accent1"/>
+          </a:fillRef>
+          <a:effectRef idx="1">
+            <a:schemeClr val="accent1"/>
+          </a:effectRef>
+          <a:fontRef idx="minor">
+            <a:schemeClr val="tx1"/>
+          </a:fontRef>
+        </p:style>
+        <p:txBody>
+          <a:bodyPr rtlCol="0" anchor="ctr"/>
+          <a:lstStyle/>
+          <a:p>
+            <a:pPr algn="ctr"/>
+            <a:endParaRPr kumimoji="1" lang="ja-JP" altLang="en-US"/>
+          </a:p>
+        </p:txBody>
+      </p:sp>
+      <p:sp>
+        <p:nvSpPr>
+          <p:cNvPr id="12" name="テキスト ボックス 11"/>
+          <p:cNvSpPr txBox="1"/>
+          <p:nvPr/>
+        </p:nvSpPr>
+        <p:spPr>
+          <a:xfrm>
+            <a:off x="4399814" y="2018560"/>
+            <a:ext cx="3942305" cy="830997"/>
+          </a:xfrm>
+          <a:prstGeom prst="rect">
+            <a:avLst/>
+          </a:prstGeom>
+          <a:noFill/>
+        </p:spPr>
+        <p:txBody>
+          <a:bodyPr wrap="none" rtlCol="0">
+            <a:spAutoFit/>
+          </a:bodyPr>
+          <a:lstStyle/>
+          <a:p>
+            <a:r>
+              <a:rPr kumimoji="1" lang="en-US" altLang="ja-JP" sz="2400" dirty="0" smtClean="0">
+                <a:solidFill>
+                  <a:schemeClr val="accent1"/>
+                </a:solidFill>
+              </a:rPr>
+              <a:t>(1)</a:t>
+            </a:r>
+          </a:p>
+          <a:p>
+            <a:r>
+              <a:rPr kumimoji="1" lang="en-US" altLang="ja-JP" sz="2400" dirty="0" smtClean="0">
+                <a:solidFill>
+                  <a:schemeClr val="accent1"/>
+                </a:solidFill>
+              </a:rPr>
+              <a:t>Application Layer for REST API</a:t>
+            </a:r>
+            <a:endParaRPr kumimoji="1" lang="ja-JP" altLang="en-US" sz="2400" dirty="0">
+              <a:solidFill>
+                <a:schemeClr val="accent1"/>
+              </a:solidFill>
+            </a:endParaRPr>
+          </a:p>
+        </p:txBody>
+      </p:sp>
+      <p:sp>
+        <p:nvSpPr>
+          <p:cNvPr id="14" name="テキスト ボックス 13"/>
+          <p:cNvSpPr txBox="1"/>
+          <p:nvPr/>
+        </p:nvSpPr>
+        <p:spPr>
+          <a:xfrm>
+            <a:off x="4484174" y="3191580"/>
+            <a:ext cx="3696144" cy="830997"/>
+          </a:xfrm>
+          <a:prstGeom prst="rect">
+            <a:avLst/>
+          </a:prstGeom>
+          <a:noFill/>
+        </p:spPr>
+        <p:txBody>
+          <a:bodyPr wrap="none" rtlCol="0">
+            <a:spAutoFit/>
+          </a:bodyPr>
+          <a:lstStyle/>
+          <a:p>
+            <a:r>
+              <a:rPr kumimoji="1" lang="en-US" altLang="ja-JP" sz="2400" dirty="0" smtClean="0">
+                <a:solidFill>
+                  <a:schemeClr val="accent1"/>
+                </a:solidFill>
+              </a:rPr>
+              <a:t>(2)</a:t>
+            </a:r>
+          </a:p>
+          <a:p>
+            <a:r>
+              <a:rPr kumimoji="1" lang="en-US" altLang="ja-JP" sz="2400" dirty="0" smtClean="0">
+                <a:solidFill>
+                  <a:schemeClr val="accent1"/>
+                </a:solidFill>
+              </a:rPr>
+              <a:t>Application Layer for Screen</a:t>
+            </a:r>
+            <a:endParaRPr kumimoji="1" lang="ja-JP" altLang="en-US" sz="2400" dirty="0">
+              <a:solidFill>
+                <a:schemeClr val="accent1"/>
+              </a:solidFill>
+            </a:endParaRPr>
+          </a:p>
+        </p:txBody>
+      </p:sp>
+      <p:sp>
+        <p:nvSpPr>
+          <p:cNvPr id="15" name="テキスト ボックス 14"/>
+          <p:cNvSpPr txBox="1"/>
+          <p:nvPr/>
+        </p:nvSpPr>
+        <p:spPr>
+          <a:xfrm>
+            <a:off x="4506854" y="4340536"/>
+            <a:ext cx="3497772" cy="1200328"/>
+          </a:xfrm>
+          <a:prstGeom prst="rect">
+            <a:avLst/>
+          </a:prstGeom>
+          <a:noFill/>
+        </p:spPr>
+        <p:txBody>
+          <a:bodyPr wrap="none" rtlCol="0">
+            <a:spAutoFit/>
+          </a:bodyPr>
+          <a:lstStyle/>
+          <a:p>
+            <a:r>
+              <a:rPr kumimoji="1" lang="en-US" altLang="ja-JP" sz="2400" dirty="0" smtClean="0">
+                <a:solidFill>
+                  <a:schemeClr val="bg1">
+                    <a:lumMod val="50000"/>
+                  </a:schemeClr>
+                </a:solidFill>
+              </a:rPr>
+              <a:t>(3)</a:t>
+            </a:r>
+          </a:p>
+          <a:p>
+            <a:r>
+              <a:rPr kumimoji="1" lang="en-US" altLang="ja-JP" sz="2400" dirty="0" smtClean="0">
+                <a:solidFill>
+                  <a:schemeClr val="bg1">
+                    <a:lumMod val="50000"/>
+                  </a:schemeClr>
+                </a:solidFill>
+              </a:rPr>
+              <a:t>Core components that </a:t>
+            </a:r>
+          </a:p>
+          <a:p>
+            <a:r>
+              <a:rPr kumimoji="1" lang="en-US" altLang="ja-JP" sz="2400" dirty="0" smtClean="0">
+                <a:solidFill>
+                  <a:schemeClr val="bg1">
+                    <a:lumMod val="50000"/>
+                  </a:schemeClr>
+                </a:solidFill>
+              </a:rPr>
+              <a:t>not depends on each layer</a:t>
+            </a:r>
+            <a:endParaRPr kumimoji="1" lang="ja-JP" altLang="en-US" sz="2400" dirty="0">
+              <a:solidFill>
+                <a:schemeClr val="bg1">
+                  <a:lumMod val="50000"/>
+                </a:schemeClr>
+              </a:solidFill>
+            </a:endParaRPr>
+          </a:p>
+        </p:txBody>
+      </p:sp>
+      <p:sp>
+        <p:nvSpPr>
+          <p:cNvPr id="16" name="テキスト ボックス 15"/>
+          <p:cNvSpPr txBox="1"/>
+          <p:nvPr/>
+        </p:nvSpPr>
+        <p:spPr>
+          <a:xfrm>
+            <a:off x="4557194" y="5591507"/>
+            <a:ext cx="1908095" cy="830997"/>
+          </a:xfrm>
+          <a:prstGeom prst="rect">
+            <a:avLst/>
+          </a:prstGeom>
+          <a:noFill/>
+        </p:spPr>
+        <p:txBody>
+          <a:bodyPr wrap="none" rtlCol="0">
+            <a:spAutoFit/>
+          </a:bodyPr>
+          <a:lstStyle/>
+          <a:p>
+            <a:r>
+              <a:rPr kumimoji="1" lang="en-US" altLang="ja-JP" sz="2400" dirty="0" smtClean="0">
+                <a:solidFill>
+                  <a:schemeClr val="accent3"/>
+                </a:solidFill>
+              </a:rPr>
+              <a:t>(4)</a:t>
+            </a:r>
+            <a:endParaRPr lang="en-US" altLang="ja-JP" sz="2400" dirty="0" smtClean="0">
+              <a:solidFill>
+                <a:schemeClr val="accent3"/>
+              </a:solidFill>
+            </a:endParaRPr>
+          </a:p>
+          <a:p>
+            <a:r>
+              <a:rPr lang="en-US" altLang="ja-JP" sz="2400" dirty="0" smtClean="0">
+                <a:solidFill>
+                  <a:schemeClr val="accent3"/>
+                </a:solidFill>
+              </a:rPr>
+              <a:t>Domain Layer</a:t>
+            </a:r>
+            <a:endParaRPr kumimoji="1" lang="en-US" altLang="ja-JP" sz="2400" dirty="0" smtClean="0">
+              <a:solidFill>
+                <a:schemeClr val="accent3"/>
+              </a:solidFill>
+            </a:endParaRPr>
+          </a:p>
+        </p:txBody>
+      </p:sp>
+      <p:sp>
+        <p:nvSpPr>
+          <p:cNvPr id="17" name="テキスト ボックス 16"/>
+          <p:cNvSpPr txBox="1"/>
+          <p:nvPr/>
+        </p:nvSpPr>
+        <p:spPr>
+          <a:xfrm>
+            <a:off x="4591214" y="6465130"/>
+            <a:ext cx="2666565" cy="830997"/>
+          </a:xfrm>
+          <a:prstGeom prst="rect">
+            <a:avLst/>
+          </a:prstGeom>
+          <a:noFill/>
+        </p:spPr>
+        <p:txBody>
+          <a:bodyPr wrap="none" rtlCol="0">
+            <a:spAutoFit/>
+          </a:bodyPr>
+          <a:lstStyle/>
+          <a:p>
+            <a:r>
+              <a:rPr kumimoji="1" lang="en-US" altLang="ja-JP" sz="2400" dirty="0" smtClean="0">
+                <a:solidFill>
+                  <a:schemeClr val="accent4"/>
+                </a:solidFill>
+              </a:rPr>
+              <a:t>(5)</a:t>
+            </a:r>
+            <a:endParaRPr lang="en-US" altLang="ja-JP" sz="2400" dirty="0" smtClean="0">
+              <a:solidFill>
+                <a:schemeClr val="accent4"/>
+              </a:solidFill>
+            </a:endParaRPr>
+          </a:p>
+          <a:p>
+            <a:r>
+              <a:rPr lang="en-US" altLang="ja-JP" sz="2400" dirty="0" smtClean="0">
+                <a:solidFill>
+                  <a:schemeClr val="accent4"/>
+                </a:solidFill>
+              </a:rPr>
+              <a:t>Infrastructure Layer</a:t>
+            </a:r>
+            <a:endParaRPr kumimoji="1" lang="en-US" altLang="ja-JP" sz="2400" dirty="0" smtClean="0">
+              <a:solidFill>
+                <a:schemeClr val="accent4"/>
+              </a:solidFill>
+            </a:endParaRPr>
+          </a:p>
+        </p:txBody>
+      </p:sp>
+      <p:sp>
+        <p:nvSpPr>
+          <p:cNvPr id="18" name="テキスト ボックス 17"/>
+          <p:cNvSpPr txBox="1"/>
+          <p:nvPr/>
+        </p:nvSpPr>
+        <p:spPr>
+          <a:xfrm>
+            <a:off x="4613894" y="7179013"/>
+            <a:ext cx="3543608" cy="1200328"/>
+          </a:xfrm>
+          <a:prstGeom prst="rect">
+            <a:avLst/>
+          </a:prstGeom>
+          <a:noFill/>
+        </p:spPr>
+        <p:txBody>
+          <a:bodyPr wrap="none" rtlCol="0">
+            <a:spAutoFit/>
+          </a:bodyPr>
+          <a:lstStyle/>
+          <a:p>
+            <a:r>
+              <a:rPr kumimoji="1" lang="en-US" altLang="ja-JP" sz="2400" dirty="0" smtClean="0">
+                <a:solidFill>
+                  <a:schemeClr val="accent1"/>
+                </a:solidFill>
+              </a:rPr>
+              <a:t>(6)</a:t>
+            </a:r>
+          </a:p>
+          <a:p>
+            <a:r>
+              <a:rPr kumimoji="1" lang="en-US" altLang="ja-JP" sz="2400" dirty="0" smtClean="0">
+                <a:solidFill>
+                  <a:schemeClr val="accent1"/>
+                </a:solidFill>
+              </a:rPr>
+              <a:t>Common components that</a:t>
+            </a:r>
+          </a:p>
+          <a:p>
+            <a:r>
+              <a:rPr lang="en-US" altLang="ja-JP" sz="2400" dirty="0">
+                <a:solidFill>
+                  <a:schemeClr val="accent1"/>
+                </a:solidFill>
+              </a:rPr>
+              <a:t>d</a:t>
+            </a:r>
+            <a:r>
+              <a:rPr lang="en-US" altLang="ja-JP" sz="2400" dirty="0" smtClean="0">
+                <a:solidFill>
+                  <a:schemeClr val="accent1"/>
+                </a:solidFill>
+              </a:rPr>
+              <a:t>epends on web layer</a:t>
+            </a:r>
+            <a:endParaRPr kumimoji="1" lang="ja-JP" altLang="en-US" sz="2400" dirty="0">
+              <a:solidFill>
+                <a:schemeClr val="accent1"/>
+              </a:solidFill>
+            </a:endParaRPr>
+          </a:p>
+        </p:txBody>
+      </p:sp>
+    </p:spTree>
+    <p:extLst>
+      <p:ext uri="{BB962C8B-B14F-4D97-AF65-F5344CB8AC3E}">
+        <p14:creationId xmlns:p14="http://schemas.microsoft.com/office/powerpoint/2010/main" val="3890419367"/>
       </p:ext>
     </p:extLst>
   </p:cSld>

--- a/images/material.pptx
+++ b/images/material.pptx
@@ -4191,7 +4191,7 @@
                 <a:latin typeface="+mj-ea"/>
                 <a:ea typeface="+mj-ea"/>
               </a:rPr>
-              <a:t>Form</a:t>
+              <a:t>DTO</a:t>
             </a:r>
           </a:p>
         </p:txBody>

--- a/images/material.pptx
+++ b/images/material.pptx
@@ -7,6 +7,7 @@
   <p:sldIdLst>
     <p:sldId id="256" r:id="rId2"/>
     <p:sldId id="257" r:id="rId3"/>
+    <p:sldId id="258" r:id="rId4"/>
   </p:sldIdLst>
   <p:sldSz cx="9144000" cy="6858000" type="screen4x3"/>
   <p:notesSz cx="6858000" cy="9144000"/>
@@ -6132,6 +6133,730 @@
     <p:extLst>
       <p:ext uri="{BB962C8B-B14F-4D97-AF65-F5344CB8AC3E}">
         <p14:creationId xmlns:p14="http://schemas.microsoft.com/office/powerpoint/2010/main" val="3890419367"/>
+      </p:ext>
+    </p:extLst>
+  </p:cSld>
+  <p:clrMapOvr>
+    <a:masterClrMapping/>
+  </p:clrMapOvr>
+</p:sld>
+</file>
+
+<file path=ppt/slides/slide3.xml><?xml version="1.0" encoding="utf-8"?>
+<p:sld xmlns:a="http://schemas.openxmlformats.org/drawingml/2006/main" xmlns:r="http://schemas.openxmlformats.org/officeDocument/2006/relationships" xmlns:p="http://schemas.openxmlformats.org/presentationml/2006/main">
+  <p:cSld>
+    <p:spTree>
+      <p:nvGrpSpPr>
+        <p:cNvPr id="1" name=""/>
+        <p:cNvGrpSpPr/>
+        <p:nvPr/>
+      </p:nvGrpSpPr>
+      <p:grpSpPr>
+        <a:xfrm>
+          <a:off x="0" y="0"/>
+          <a:ext cx="0" cy="0"/>
+          <a:chOff x="0" y="0"/>
+          <a:chExt cx="0" cy="0"/>
+        </a:xfrm>
+      </p:grpSpPr>
+      <p:pic>
+        <p:nvPicPr>
+          <p:cNvPr id="5" name="図 4"/>
+          <p:cNvPicPr>
+            <a:picLocks noChangeAspect="1"/>
+          </p:cNvPicPr>
+          <p:nvPr/>
+        </p:nvPicPr>
+        <p:blipFill>
+          <a:blip r:embed="rId2"/>
+          <a:stretch>
+            <a:fillRect/>
+          </a:stretch>
+        </p:blipFill>
+        <p:spPr>
+          <a:xfrm>
+            <a:off x="346473" y="121021"/>
+            <a:ext cx="4645385" cy="4256305"/>
+          </a:xfrm>
+          <a:prstGeom prst="rect">
+            <a:avLst/>
+          </a:prstGeom>
+        </p:spPr>
+      </p:pic>
+      <p:sp>
+        <p:nvSpPr>
+          <p:cNvPr id="6" name="テキスト ボックス 5"/>
+          <p:cNvSpPr txBox="1"/>
+          <p:nvPr/>
+        </p:nvSpPr>
+        <p:spPr>
+          <a:xfrm>
+            <a:off x="5259857" y="1289763"/>
+            <a:ext cx="1191702" cy="461665"/>
+          </a:xfrm>
+          <a:prstGeom prst="rect">
+            <a:avLst/>
+          </a:prstGeom>
+          <a:noFill/>
+        </p:spPr>
+        <p:txBody>
+          <a:bodyPr wrap="none" rtlCol="0">
+            <a:spAutoFit/>
+          </a:bodyPr>
+          <a:lstStyle/>
+          <a:p>
+            <a:r>
+              <a:rPr kumimoji="1" lang="en-US" altLang="ja-JP" sz="2400" dirty="0" smtClean="0">
+                <a:solidFill>
+                  <a:schemeClr val="tx1">
+                    <a:lumMod val="65000"/>
+                    <a:lumOff val="35000"/>
+                  </a:schemeClr>
+                </a:solidFill>
+              </a:rPr>
+              <a:t>(1) Root</a:t>
+            </a:r>
+            <a:endParaRPr kumimoji="1" lang="en-US" altLang="ja-JP" sz="2400" dirty="0" smtClean="0">
+              <a:solidFill>
+                <a:schemeClr val="tx1">
+                  <a:lumMod val="65000"/>
+                  <a:lumOff val="35000"/>
+                </a:schemeClr>
+              </a:solidFill>
+            </a:endParaRPr>
+          </a:p>
+        </p:txBody>
+      </p:sp>
+      <p:sp>
+        <p:nvSpPr>
+          <p:cNvPr id="7" name="テキスト ボックス 6"/>
+          <p:cNvSpPr txBox="1"/>
+          <p:nvPr/>
+        </p:nvSpPr>
+        <p:spPr>
+          <a:xfrm>
+            <a:off x="5259857" y="1751428"/>
+            <a:ext cx="3894065" cy="461665"/>
+          </a:xfrm>
+          <a:prstGeom prst="rect">
+            <a:avLst/>
+          </a:prstGeom>
+          <a:noFill/>
+        </p:spPr>
+        <p:txBody>
+          <a:bodyPr wrap="none" rtlCol="0">
+            <a:spAutoFit/>
+          </a:bodyPr>
+          <a:lstStyle/>
+          <a:p>
+            <a:r>
+              <a:rPr kumimoji="1" lang="en-US" altLang="ja-JP" sz="2400" dirty="0" smtClean="0">
+                <a:solidFill>
+                  <a:schemeClr val="tx1">
+                    <a:lumMod val="65000"/>
+                    <a:lumOff val="35000"/>
+                  </a:schemeClr>
+                </a:solidFill>
+              </a:rPr>
+              <a:t>(2) Mapper XMLs of MyBatis3</a:t>
+            </a:r>
+            <a:endParaRPr kumimoji="1" lang="en-US" altLang="ja-JP" sz="2400" dirty="0" smtClean="0">
+              <a:solidFill>
+                <a:schemeClr val="tx1">
+                  <a:lumMod val="65000"/>
+                  <a:lumOff val="35000"/>
+                </a:schemeClr>
+              </a:solidFill>
+            </a:endParaRPr>
+          </a:p>
+        </p:txBody>
+      </p:sp>
+      <p:sp>
+        <p:nvSpPr>
+          <p:cNvPr id="8" name="テキスト ボックス 7"/>
+          <p:cNvSpPr txBox="1"/>
+          <p:nvPr/>
+        </p:nvSpPr>
+        <p:spPr>
+          <a:xfrm>
+            <a:off x="5284085" y="2189791"/>
+            <a:ext cx="2537624" cy="461665"/>
+          </a:xfrm>
+          <a:prstGeom prst="rect">
+            <a:avLst/>
+          </a:prstGeom>
+          <a:noFill/>
+        </p:spPr>
+        <p:txBody>
+          <a:bodyPr wrap="none" rtlCol="0">
+            <a:spAutoFit/>
+          </a:bodyPr>
+          <a:lstStyle/>
+          <a:p>
+            <a:r>
+              <a:rPr kumimoji="1" lang="en-US" altLang="ja-JP" sz="2400" dirty="0" smtClean="0">
+                <a:solidFill>
+                  <a:schemeClr val="tx1">
+                    <a:lumMod val="65000"/>
+                    <a:lumOff val="35000"/>
+                  </a:schemeClr>
+                </a:solidFill>
+              </a:rPr>
+              <a:t>(3) DDLs and DMLs</a:t>
+            </a:r>
+            <a:endParaRPr kumimoji="1" lang="en-US" altLang="ja-JP" sz="2400" dirty="0" smtClean="0">
+              <a:solidFill>
+                <a:schemeClr val="tx1">
+                  <a:lumMod val="65000"/>
+                  <a:lumOff val="35000"/>
+                </a:schemeClr>
+              </a:solidFill>
+            </a:endParaRPr>
+          </a:p>
+        </p:txBody>
+      </p:sp>
+      <p:sp>
+        <p:nvSpPr>
+          <p:cNvPr id="9" name="テキスト ボックス 8"/>
+          <p:cNvSpPr txBox="1"/>
+          <p:nvPr/>
+        </p:nvSpPr>
+        <p:spPr>
+          <a:xfrm>
+            <a:off x="5296661" y="2598513"/>
+            <a:ext cx="3094868" cy="461665"/>
+          </a:xfrm>
+          <a:prstGeom prst="rect">
+            <a:avLst/>
+          </a:prstGeom>
+          <a:noFill/>
+        </p:spPr>
+        <p:txBody>
+          <a:bodyPr wrap="none" rtlCol="0">
+            <a:spAutoFit/>
+          </a:bodyPr>
+          <a:lstStyle/>
+          <a:p>
+            <a:r>
+              <a:rPr kumimoji="1" lang="en-US" altLang="ja-JP" sz="2400" dirty="0" smtClean="0">
+                <a:solidFill>
+                  <a:schemeClr val="tx1">
+                    <a:lumMod val="65000"/>
+                    <a:lumOff val="35000"/>
+                  </a:schemeClr>
+                </a:solidFill>
+              </a:rPr>
+              <a:t>(4) Message definitions</a:t>
+            </a:r>
+            <a:endParaRPr kumimoji="1" lang="en-US" altLang="ja-JP" sz="2400" dirty="0" smtClean="0">
+              <a:solidFill>
+                <a:schemeClr val="tx1">
+                  <a:lumMod val="65000"/>
+                  <a:lumOff val="35000"/>
+                </a:schemeClr>
+              </a:solidFill>
+            </a:endParaRPr>
+          </a:p>
+        </p:txBody>
+      </p:sp>
+      <p:sp>
+        <p:nvSpPr>
+          <p:cNvPr id="10" name="テキスト ボックス 9"/>
+          <p:cNvSpPr txBox="1"/>
+          <p:nvPr/>
+        </p:nvSpPr>
+        <p:spPr>
+          <a:xfrm>
+            <a:off x="5309237" y="2972282"/>
+            <a:ext cx="3194354" cy="461665"/>
+          </a:xfrm>
+          <a:prstGeom prst="rect">
+            <a:avLst/>
+          </a:prstGeom>
+          <a:noFill/>
+        </p:spPr>
+        <p:txBody>
+          <a:bodyPr wrap="none" rtlCol="0">
+            <a:spAutoFit/>
+          </a:bodyPr>
+          <a:lstStyle/>
+          <a:p>
+            <a:r>
+              <a:rPr kumimoji="1" lang="en-US" altLang="ja-JP" sz="2400" dirty="0" smtClean="0">
+                <a:solidFill>
+                  <a:schemeClr val="tx1">
+                    <a:lumMod val="65000"/>
+                    <a:lumOff val="35000"/>
+                  </a:schemeClr>
+                </a:solidFill>
+              </a:rPr>
+              <a:t>(5) Dozer configurations</a:t>
+            </a:r>
+            <a:endParaRPr kumimoji="1" lang="en-US" altLang="ja-JP" sz="2400" dirty="0" smtClean="0">
+              <a:solidFill>
+                <a:schemeClr val="tx1">
+                  <a:lumMod val="65000"/>
+                  <a:lumOff val="35000"/>
+                </a:schemeClr>
+              </a:solidFill>
+            </a:endParaRPr>
+          </a:p>
+        </p:txBody>
+      </p:sp>
+      <p:sp>
+        <p:nvSpPr>
+          <p:cNvPr id="11" name="テキスト ボックス 10"/>
+          <p:cNvSpPr txBox="1"/>
+          <p:nvPr/>
+        </p:nvSpPr>
+        <p:spPr>
+          <a:xfrm>
+            <a:off x="5321813" y="3322749"/>
+            <a:ext cx="3625812" cy="461665"/>
+          </a:xfrm>
+          <a:prstGeom prst="rect">
+            <a:avLst/>
+          </a:prstGeom>
+          <a:noFill/>
+        </p:spPr>
+        <p:txBody>
+          <a:bodyPr wrap="none" rtlCol="0">
+            <a:spAutoFit/>
+          </a:bodyPr>
+          <a:lstStyle/>
+          <a:p>
+            <a:r>
+              <a:rPr kumimoji="1" lang="en-US" altLang="ja-JP" sz="2400" dirty="0" smtClean="0">
+                <a:solidFill>
+                  <a:schemeClr val="tx1">
+                    <a:lumMod val="65000"/>
+                    <a:lumOff val="35000"/>
+                  </a:schemeClr>
+                </a:solidFill>
+              </a:rPr>
+              <a:t>(6) MyBatis3 configurations</a:t>
+            </a:r>
+            <a:endParaRPr kumimoji="1" lang="en-US" altLang="ja-JP" sz="2400" dirty="0" smtClean="0">
+              <a:solidFill>
+                <a:schemeClr val="tx1">
+                  <a:lumMod val="65000"/>
+                  <a:lumOff val="35000"/>
+                </a:schemeClr>
+              </a:solidFill>
+            </a:endParaRPr>
+          </a:p>
+        </p:txBody>
+      </p:sp>
+      <p:sp>
+        <p:nvSpPr>
+          <p:cNvPr id="12" name="テキスト ボックス 11"/>
+          <p:cNvSpPr txBox="1"/>
+          <p:nvPr/>
+        </p:nvSpPr>
+        <p:spPr>
+          <a:xfrm>
+            <a:off x="5322737" y="3729245"/>
+            <a:ext cx="3317134" cy="1200328"/>
+          </a:xfrm>
+          <a:prstGeom prst="rect">
+            <a:avLst/>
+          </a:prstGeom>
+          <a:noFill/>
+        </p:spPr>
+        <p:txBody>
+          <a:bodyPr wrap="none" rtlCol="0">
+            <a:spAutoFit/>
+          </a:bodyPr>
+          <a:lstStyle/>
+          <a:p>
+            <a:r>
+              <a:rPr kumimoji="1" lang="en-US" altLang="ja-JP" sz="2400" dirty="0" smtClean="0">
+                <a:solidFill>
+                  <a:schemeClr val="tx1">
+                    <a:lumMod val="65000"/>
+                    <a:lumOff val="35000"/>
+                  </a:schemeClr>
+                </a:solidFill>
+              </a:rPr>
+              <a:t>(7) Bean definitions and </a:t>
+            </a:r>
+          </a:p>
+          <a:p>
+            <a:r>
+              <a:rPr lang="en-US" altLang="ja-JP" sz="2400" dirty="0">
+                <a:solidFill>
+                  <a:schemeClr val="tx1">
+                    <a:lumMod val="65000"/>
+                    <a:lumOff val="35000"/>
+                  </a:schemeClr>
+                </a:solidFill>
+              </a:rPr>
+              <a:t> </a:t>
+            </a:r>
+            <a:r>
+              <a:rPr lang="en-US" altLang="ja-JP" sz="2400" dirty="0" smtClean="0">
+                <a:solidFill>
+                  <a:schemeClr val="tx1">
+                    <a:lumMod val="65000"/>
+                    <a:lumOff val="35000"/>
+                  </a:schemeClr>
+                </a:solidFill>
+              </a:rPr>
+              <a:t>     </a:t>
+            </a:r>
+            <a:r>
+              <a:rPr kumimoji="1" lang="en-US" altLang="ja-JP" sz="2400" dirty="0" smtClean="0">
+                <a:solidFill>
+                  <a:schemeClr val="tx1">
+                    <a:lumMod val="65000"/>
+                    <a:lumOff val="35000"/>
+                  </a:schemeClr>
+                </a:solidFill>
+              </a:rPr>
+              <a:t>Property definitions</a:t>
+            </a:r>
+          </a:p>
+          <a:p>
+            <a:r>
+              <a:rPr lang="en-US" altLang="ja-JP" sz="2400" dirty="0">
+                <a:solidFill>
+                  <a:schemeClr val="tx1">
+                    <a:lumMod val="65000"/>
+                    <a:lumOff val="35000"/>
+                  </a:schemeClr>
+                </a:solidFill>
+              </a:rPr>
+              <a:t> </a:t>
+            </a:r>
+            <a:r>
+              <a:rPr lang="en-US" altLang="ja-JP" sz="2400" dirty="0" smtClean="0">
+                <a:solidFill>
+                  <a:schemeClr val="tx1">
+                    <a:lumMod val="65000"/>
+                    <a:lumOff val="35000"/>
+                  </a:schemeClr>
+                </a:solidFill>
+              </a:rPr>
+              <a:t>     for </a:t>
+            </a:r>
+            <a:r>
+              <a:rPr kumimoji="1" lang="en-US" altLang="ja-JP" sz="2400" dirty="0" smtClean="0">
+                <a:solidFill>
+                  <a:schemeClr val="tx1">
+                    <a:lumMod val="65000"/>
+                    <a:lumOff val="35000"/>
+                  </a:schemeClr>
+                </a:solidFill>
+              </a:rPr>
+              <a:t>Spring Framework</a:t>
+            </a:r>
+            <a:endParaRPr kumimoji="1" lang="en-US" altLang="ja-JP" sz="2400" dirty="0" smtClean="0">
+              <a:solidFill>
+                <a:schemeClr val="tx1">
+                  <a:lumMod val="65000"/>
+                  <a:lumOff val="35000"/>
+                </a:schemeClr>
+              </a:solidFill>
+            </a:endParaRPr>
+          </a:p>
+        </p:txBody>
+      </p:sp>
+      <p:cxnSp>
+        <p:nvCxnSpPr>
+          <p:cNvPr id="14" name="直線コネクタ 13"/>
+          <p:cNvCxnSpPr>
+            <a:endCxn id="6" idx="1"/>
+          </p:cNvCxnSpPr>
+          <p:nvPr/>
+        </p:nvCxnSpPr>
+        <p:spPr>
+          <a:xfrm flipV="1">
+            <a:off x="2295467" y="1520596"/>
+            <a:ext cx="2964390" cy="261989"/>
+          </a:xfrm>
+          <a:prstGeom prst="line">
+            <a:avLst/>
+          </a:prstGeom>
+          <a:ln w="25400">
+            <a:solidFill>
+              <a:schemeClr val="tx1">
+                <a:lumMod val="50000"/>
+                <a:lumOff val="50000"/>
+              </a:schemeClr>
+            </a:solidFill>
+            <a:headEnd type="oval"/>
+            <a:tailEnd type="none"/>
+          </a:ln>
+        </p:spPr>
+        <p:style>
+          <a:lnRef idx="3">
+            <a:schemeClr val="dk1"/>
+          </a:lnRef>
+          <a:fillRef idx="0">
+            <a:schemeClr val="dk1"/>
+          </a:fillRef>
+          <a:effectRef idx="2">
+            <a:schemeClr val="dk1"/>
+          </a:effectRef>
+          <a:fontRef idx="minor">
+            <a:schemeClr val="tx1"/>
+          </a:fontRef>
+        </p:style>
+      </p:cxnSp>
+      <p:cxnSp>
+        <p:nvCxnSpPr>
+          <p:cNvPr id="15" name="直線コネクタ 14"/>
+          <p:cNvCxnSpPr>
+            <a:endCxn id="7" idx="1"/>
+          </p:cNvCxnSpPr>
+          <p:nvPr/>
+        </p:nvCxnSpPr>
+        <p:spPr>
+          <a:xfrm flipV="1">
+            <a:off x="4823977" y="1982261"/>
+            <a:ext cx="435880" cy="44993"/>
+          </a:xfrm>
+          <a:prstGeom prst="line">
+            <a:avLst/>
+          </a:prstGeom>
+          <a:ln w="25400">
+            <a:solidFill>
+              <a:schemeClr val="tx1">
+                <a:lumMod val="50000"/>
+                <a:lumOff val="50000"/>
+              </a:schemeClr>
+            </a:solidFill>
+            <a:headEnd type="oval"/>
+            <a:tailEnd type="none"/>
+          </a:ln>
+        </p:spPr>
+        <p:style>
+          <a:lnRef idx="3">
+            <a:schemeClr val="dk1"/>
+          </a:lnRef>
+          <a:fillRef idx="0">
+            <a:schemeClr val="dk1"/>
+          </a:fillRef>
+          <a:effectRef idx="2">
+            <a:schemeClr val="dk1"/>
+          </a:effectRef>
+          <a:fontRef idx="minor">
+            <a:schemeClr val="tx1"/>
+          </a:fontRef>
+        </p:style>
+      </p:cxnSp>
+      <p:cxnSp>
+        <p:nvCxnSpPr>
+          <p:cNvPr id="22" name="直線コネクタ 21"/>
+          <p:cNvCxnSpPr>
+            <a:endCxn id="8" idx="1"/>
+          </p:cNvCxnSpPr>
+          <p:nvPr/>
+        </p:nvCxnSpPr>
+        <p:spPr>
+          <a:xfrm>
+            <a:off x="2482824" y="2258087"/>
+            <a:ext cx="2801261" cy="162537"/>
+          </a:xfrm>
+          <a:prstGeom prst="line">
+            <a:avLst/>
+          </a:prstGeom>
+          <a:ln w="25400">
+            <a:solidFill>
+              <a:schemeClr val="tx1">
+                <a:lumMod val="50000"/>
+                <a:lumOff val="50000"/>
+              </a:schemeClr>
+            </a:solidFill>
+            <a:headEnd type="oval"/>
+            <a:tailEnd type="none"/>
+          </a:ln>
+        </p:spPr>
+        <p:style>
+          <a:lnRef idx="3">
+            <a:schemeClr val="dk1"/>
+          </a:lnRef>
+          <a:fillRef idx="0">
+            <a:schemeClr val="dk1"/>
+          </a:fillRef>
+          <a:effectRef idx="2">
+            <a:schemeClr val="dk1"/>
+          </a:effectRef>
+          <a:fontRef idx="minor">
+            <a:schemeClr val="tx1"/>
+          </a:fontRef>
+        </p:style>
+      </p:cxnSp>
+      <p:cxnSp>
+        <p:nvCxnSpPr>
+          <p:cNvPr id="24" name="直線コネクタ 23"/>
+          <p:cNvCxnSpPr>
+            <a:endCxn id="9" idx="1"/>
+          </p:cNvCxnSpPr>
+          <p:nvPr/>
+        </p:nvCxnSpPr>
+        <p:spPr>
+          <a:xfrm>
+            <a:off x="2178946" y="2478879"/>
+            <a:ext cx="3117715" cy="350467"/>
+          </a:xfrm>
+          <a:prstGeom prst="line">
+            <a:avLst/>
+          </a:prstGeom>
+          <a:ln w="25400">
+            <a:solidFill>
+              <a:schemeClr val="tx1">
+                <a:lumMod val="50000"/>
+                <a:lumOff val="50000"/>
+              </a:schemeClr>
+            </a:solidFill>
+            <a:headEnd type="oval"/>
+            <a:tailEnd type="none"/>
+          </a:ln>
+        </p:spPr>
+        <p:style>
+          <a:lnRef idx="3">
+            <a:schemeClr val="dk1"/>
+          </a:lnRef>
+          <a:fillRef idx="0">
+            <a:schemeClr val="dk1"/>
+          </a:fillRef>
+          <a:effectRef idx="2">
+            <a:schemeClr val="dk1"/>
+          </a:effectRef>
+          <a:fontRef idx="minor">
+            <a:schemeClr val="tx1"/>
+          </a:fontRef>
+        </p:style>
+      </p:cxnSp>
+      <p:cxnSp>
+        <p:nvCxnSpPr>
+          <p:cNvPr id="27" name="直線コネクタ 26"/>
+          <p:cNvCxnSpPr>
+            <a:endCxn id="10" idx="1"/>
+          </p:cNvCxnSpPr>
+          <p:nvPr/>
+        </p:nvCxnSpPr>
+        <p:spPr>
+          <a:xfrm>
+            <a:off x="2482824" y="2919897"/>
+            <a:ext cx="2826413" cy="283218"/>
+          </a:xfrm>
+          <a:prstGeom prst="line">
+            <a:avLst/>
+          </a:prstGeom>
+          <a:ln w="25400">
+            <a:solidFill>
+              <a:schemeClr val="tx1">
+                <a:lumMod val="50000"/>
+                <a:lumOff val="50000"/>
+              </a:schemeClr>
+            </a:solidFill>
+            <a:headEnd type="oval"/>
+            <a:tailEnd type="none"/>
+          </a:ln>
+        </p:spPr>
+        <p:style>
+          <a:lnRef idx="3">
+            <a:schemeClr val="dk1"/>
+          </a:lnRef>
+          <a:fillRef idx="0">
+            <a:schemeClr val="dk1"/>
+          </a:fillRef>
+          <a:effectRef idx="2">
+            <a:schemeClr val="dk1"/>
+          </a:effectRef>
+          <a:fontRef idx="minor">
+            <a:schemeClr val="tx1"/>
+          </a:fontRef>
+        </p:style>
+      </p:cxnSp>
+      <p:cxnSp>
+        <p:nvCxnSpPr>
+          <p:cNvPr id="29" name="直線コネクタ 28"/>
+          <p:cNvCxnSpPr>
+            <a:endCxn id="11" idx="1"/>
+          </p:cNvCxnSpPr>
+          <p:nvPr/>
+        </p:nvCxnSpPr>
+        <p:spPr>
+          <a:xfrm>
+            <a:off x="2600268" y="3153854"/>
+            <a:ext cx="2721545" cy="399728"/>
+          </a:xfrm>
+          <a:prstGeom prst="line">
+            <a:avLst/>
+          </a:prstGeom>
+          <a:ln w="25400">
+            <a:solidFill>
+              <a:schemeClr val="tx1">
+                <a:lumMod val="50000"/>
+                <a:lumOff val="50000"/>
+              </a:schemeClr>
+            </a:solidFill>
+            <a:headEnd type="oval"/>
+            <a:tailEnd type="none"/>
+          </a:ln>
+        </p:spPr>
+        <p:style>
+          <a:lnRef idx="3">
+            <a:schemeClr val="dk1"/>
+          </a:lnRef>
+          <a:fillRef idx="0">
+            <a:schemeClr val="dk1"/>
+          </a:fillRef>
+          <a:effectRef idx="2">
+            <a:schemeClr val="dk1"/>
+          </a:effectRef>
+          <a:fontRef idx="minor">
+            <a:schemeClr val="tx1"/>
+          </a:fontRef>
+        </p:style>
+      </p:cxnSp>
+      <p:cxnSp>
+        <p:nvCxnSpPr>
+          <p:cNvPr id="31" name="直線コネクタ 30"/>
+          <p:cNvCxnSpPr/>
+          <p:nvPr/>
+        </p:nvCxnSpPr>
+        <p:spPr>
+          <a:xfrm>
+            <a:off x="2538312" y="3375283"/>
+            <a:ext cx="2784425" cy="632620"/>
+          </a:xfrm>
+          <a:prstGeom prst="line">
+            <a:avLst/>
+          </a:prstGeom>
+          <a:ln w="25400">
+            <a:solidFill>
+              <a:schemeClr val="tx1">
+                <a:lumMod val="50000"/>
+                <a:lumOff val="50000"/>
+              </a:schemeClr>
+            </a:solidFill>
+            <a:headEnd type="oval"/>
+            <a:tailEnd type="none"/>
+          </a:ln>
+        </p:spPr>
+        <p:style>
+          <a:lnRef idx="3">
+            <a:schemeClr val="dk1"/>
+          </a:lnRef>
+          <a:fillRef idx="0">
+            <a:schemeClr val="dk1"/>
+          </a:fillRef>
+          <a:effectRef idx="2">
+            <a:schemeClr val="dk1"/>
+          </a:effectRef>
+          <a:fontRef idx="minor">
+            <a:schemeClr val="tx1"/>
+          </a:fontRef>
+        </p:style>
+      </p:cxnSp>
+    </p:spTree>
+    <p:extLst>
+      <p:ext uri="{BB962C8B-B14F-4D97-AF65-F5344CB8AC3E}">
+        <p14:creationId xmlns:p14="http://schemas.microsoft.com/office/powerpoint/2010/main" val="2108419480"/>
       </p:ext>
     </p:extLst>
   </p:cSld>
